--- a/Project-1.pptx
+++ b/Project-1.pptx
@@ -6,11 +6,12 @@
   </p:sldMasterIdLst>
   <p:sldIdLst>
     <p:sldId id="256" r:id="rId2"/>
-    <p:sldId id="258" r:id="rId3"/>
-    <p:sldId id="259" r:id="rId4"/>
-    <p:sldId id="263" r:id="rId5"/>
+    <p:sldId id="259" r:id="rId3"/>
+    <p:sldId id="263" r:id="rId4"/>
+    <p:sldId id="258" r:id="rId5"/>
     <p:sldId id="262" r:id="rId6"/>
     <p:sldId id="261" r:id="rId7"/>
+    <p:sldId id="264" r:id="rId8"/>
   </p:sldIdLst>
   <p:sldSz cx="12192000" cy="6858000"/>
   <p:notesSz cx="6858000" cy="9144000"/>
@@ -109,6 +110,11 @@
       </a:defRPr>
     </a:lvl9pPr>
   </p:defaultTextStyle>
+  <p:extLst>
+    <p:ext uri="{EFAFB233-063F-42B5-8137-9DF3F51BA10A}">
+      <p15:sldGuideLst xmlns:p15="http://schemas.microsoft.com/office/powerpoint/2012/main"/>
+    </p:ext>
+  </p:extLst>
 </p:presentation>
 </file>
 
@@ -474,7 +480,7 @@
           <a:p>
             <a:fld id="{9339BEF9-9E6F-4000-86BF-D66CEF258570}" type="datetimeFigureOut">
               <a:rPr lang="en-US" smtClean="0"/>
-              <a:t>6/1/2019</a:t>
+              <a:t>6/4/2019</a:t>
             </a:fld>
             <a:endParaRPr lang="en-US"/>
           </a:p>
@@ -721,7 +727,7 @@
           <a:p>
             <a:fld id="{9339BEF9-9E6F-4000-86BF-D66CEF258570}" type="datetimeFigureOut">
               <a:rPr lang="en-US" smtClean="0"/>
-              <a:t>6/1/2019</a:t>
+              <a:t>6/4/2019</a:t>
             </a:fld>
             <a:endParaRPr lang="en-US"/>
           </a:p>
@@ -1107,7 +1113,7 @@
           <a:p>
             <a:fld id="{9339BEF9-9E6F-4000-86BF-D66CEF258570}" type="datetimeFigureOut">
               <a:rPr lang="en-US" smtClean="0"/>
-              <a:t>6/1/2019</a:t>
+              <a:t>6/4/2019</a:t>
             </a:fld>
             <a:endParaRPr lang="en-US"/>
           </a:p>
@@ -1333,7 +1339,7 @@
           <a:p>
             <a:fld id="{9339BEF9-9E6F-4000-86BF-D66CEF258570}" type="datetimeFigureOut">
               <a:rPr lang="en-US" smtClean="0"/>
-              <a:t>6/1/2019</a:t>
+              <a:t>6/4/2019</a:t>
             </a:fld>
             <a:endParaRPr lang="en-US"/>
           </a:p>
@@ -1804,7 +1810,7 @@
           <a:p>
             <a:fld id="{9339BEF9-9E6F-4000-86BF-D66CEF258570}" type="datetimeFigureOut">
               <a:rPr lang="en-US" smtClean="0"/>
-              <a:t>6/1/2019</a:t>
+              <a:t>6/4/2019</a:t>
             </a:fld>
             <a:endParaRPr lang="en-US"/>
           </a:p>
@@ -2108,7 +2114,7 @@
           <a:p>
             <a:fld id="{9339BEF9-9E6F-4000-86BF-D66CEF258570}" type="datetimeFigureOut">
               <a:rPr lang="en-US" smtClean="0"/>
-              <a:t>6/1/2019</a:t>
+              <a:t>6/4/2019</a:t>
             </a:fld>
             <a:endParaRPr lang="en-US"/>
           </a:p>
@@ -2499,7 +2505,7 @@
           <a:p>
             <a:fld id="{9339BEF9-9E6F-4000-86BF-D66CEF258570}" type="datetimeFigureOut">
               <a:rPr lang="en-US" smtClean="0"/>
-              <a:t>6/1/2019</a:t>
+              <a:t>6/4/2019</a:t>
             </a:fld>
             <a:endParaRPr lang="en-US"/>
           </a:p>
@@ -2617,7 +2623,7 @@
           <a:p>
             <a:fld id="{9339BEF9-9E6F-4000-86BF-D66CEF258570}" type="datetimeFigureOut">
               <a:rPr lang="en-US" smtClean="0"/>
-              <a:t>6/1/2019</a:t>
+              <a:t>6/4/2019</a:t>
             </a:fld>
             <a:endParaRPr lang="en-US"/>
           </a:p>
@@ -2712,7 +2718,7 @@
           <a:p>
             <a:fld id="{9339BEF9-9E6F-4000-86BF-D66CEF258570}" type="datetimeFigureOut">
               <a:rPr lang="en-US" smtClean="0"/>
-              <a:t>6/1/2019</a:t>
+              <a:t>6/4/2019</a:t>
             </a:fld>
             <a:endParaRPr lang="en-US"/>
           </a:p>
@@ -3012,7 +3018,7 @@
           <a:p>
             <a:fld id="{9339BEF9-9E6F-4000-86BF-D66CEF258570}" type="datetimeFigureOut">
               <a:rPr lang="en-US" smtClean="0"/>
-              <a:t>6/1/2019</a:t>
+              <a:t>6/4/2019</a:t>
             </a:fld>
             <a:endParaRPr lang="en-US"/>
           </a:p>
@@ -3277,7 +3283,7 @@
           <a:p>
             <a:fld id="{9339BEF9-9E6F-4000-86BF-D66CEF258570}" type="datetimeFigureOut">
               <a:rPr lang="en-US" smtClean="0"/>
-              <a:t>6/1/2019</a:t>
+              <a:t>6/4/2019</a:t>
             </a:fld>
             <a:endParaRPr lang="en-US"/>
           </a:p>
@@ -3686,7 +3692,7 @@
           <a:p>
             <a:fld id="{9339BEF9-9E6F-4000-86BF-D66CEF258570}" type="datetimeFigureOut">
               <a:rPr lang="en-US" smtClean="0"/>
-              <a:t>6/1/2019</a:t>
+              <a:t>6/4/2019</a:t>
             </a:fld>
             <a:endParaRPr lang="en-US"/>
           </a:p>
@@ -4211,7 +4217,7 @@
           <a:lstStyle/>
           <a:p>
             <a:r>
-              <a:rPr lang="en-US" sz="6000" i="0" dirty="0">
+              <a:rPr lang="en-US" sz="6000" b="1" i="0" dirty="0">
                 <a:latin typeface="Garamond" panose="02020404030301010803" pitchFamily="18" charset="0"/>
                 <a:ea typeface="STXingkai" panose="020B0503020204020204" pitchFamily="2" charset="-122"/>
                 <a:cs typeface="Simplified Arabic Fixed" panose="020B0604020202020204" pitchFamily="49" charset="-78"/>
@@ -4219,28 +4225,28 @@
               <a:t>Project 1</a:t>
             </a:r>
             <a:br>
-              <a:rPr lang="en-US" sz="6000" i="0" dirty="0">
+              <a:rPr lang="en-US" sz="6000" b="1" i="0" dirty="0">
                 <a:latin typeface="Garamond" panose="02020404030301010803" pitchFamily="18" charset="0"/>
                 <a:ea typeface="STXingkai" panose="020B0503020204020204" pitchFamily="2" charset="-122"/>
                 <a:cs typeface="Simplified Arabic Fixed" panose="020B0604020202020204" pitchFamily="49" charset="-78"/>
               </a:rPr>
             </a:br>
             <a:br>
-              <a:rPr lang="en-US" sz="6000" i="0" dirty="0">
+              <a:rPr lang="en-US" sz="6000" b="1" i="0" dirty="0">
                 <a:latin typeface="Garamond" panose="02020404030301010803" pitchFamily="18" charset="0"/>
                 <a:ea typeface="STXingkai" panose="020B0503020204020204" pitchFamily="2" charset="-122"/>
                 <a:cs typeface="Simplified Arabic Fixed" panose="020B0604020202020204" pitchFamily="49" charset="-78"/>
               </a:rPr>
             </a:br>
             <a:r>
-              <a:rPr lang="en-US" sz="6000" i="0" dirty="0" err="1">
+              <a:rPr lang="en-US" sz="6000" b="1" i="0" dirty="0" err="1">
                 <a:latin typeface="Garamond" panose="02020404030301010803" pitchFamily="18" charset="0"/>
                 <a:ea typeface="STXingkai" panose="020B0503020204020204" pitchFamily="2" charset="-122"/>
                 <a:cs typeface="Simplified Arabic Fixed" panose="020B0604020202020204" pitchFamily="49" charset="-78"/>
               </a:rPr>
               <a:t>Musiicck</a:t>
             </a:r>
-            <a:endParaRPr lang="en-US" sz="6000" i="0" dirty="0">
+            <a:endParaRPr lang="en-US" sz="6000" b="1" i="0" dirty="0">
               <a:latin typeface="Garamond" panose="02020404030301010803" pitchFamily="18" charset="0"/>
               <a:ea typeface="STXingkai" panose="020B0503020204020204" pitchFamily="2" charset="-122"/>
               <a:cs typeface="Simplified Arabic Fixed" panose="020B0604020202020204" pitchFamily="49" charset="-78"/>
@@ -4602,13 +4608,13 @@
   <p:clrMapOvr>
     <a:masterClrMapping/>
   </p:clrMapOvr>
-  <mc:AlternateContent xmlns:mc="http://schemas.openxmlformats.org/markup-compatibility/2006">
-    <mc:Choice xmlns:p14="http://schemas.microsoft.com/office/powerpoint/2010/main" Requires="p14">
+  <mc:AlternateContent xmlns:mc="http://schemas.openxmlformats.org/markup-compatibility/2006" xmlns:p14="http://schemas.microsoft.com/office/powerpoint/2010/main">
+    <mc:Choice Requires="p14">
       <p:transition spd="slow" p14:dur="4000">
         <p14:vortex dir="r"/>
       </p:transition>
     </mc:Choice>
-    <mc:Fallback>
+    <mc:Fallback xmlns="">
       <p:transition spd="slow">
         <p:fade/>
       </p:transition>
@@ -4636,10 +4642,10 @@
       </p:grpSpPr>
       <p:sp>
         <p:nvSpPr>
-          <p:cNvPr id="2" name="Title 1">
+          <p:cNvPr id="3" name="Text Placeholder 2">
             <a:extLst>
               <a:ext uri="{FF2B5EF4-FFF2-40B4-BE49-F238E27FC236}">
-                <a16:creationId xmlns:a16="http://schemas.microsoft.com/office/drawing/2014/main" id="{D6DC7CB7-6324-4EDD-9B12-181FD5AFF21F}"/>
+                <a16:creationId xmlns:a16="http://schemas.microsoft.com/office/drawing/2014/main" id="{D92775C5-B63B-4DFF-96A7-18586C3DED6B}"/>
               </a:ext>
             </a:extLst>
           </p:cNvPr>
@@ -4647,18 +4653,18 @@
             <a:spLocks noGrp="1"/>
           </p:cNvSpPr>
           <p:nvPr>
-            <p:ph type="title"/>
+            <p:ph type="body" idx="1"/>
           </p:nvPr>
         </p:nvSpPr>
         <p:spPr>
           <a:xfrm>
-            <a:off x="322001" y="2731241"/>
-            <a:ext cx="3392749" cy="922893"/>
+            <a:off x="1895285" y="363938"/>
+            <a:ext cx="8401429" cy="819150"/>
           </a:xfrm>
         </p:spPr>
         <p:txBody>
           <a:bodyPr>
-            <a:normAutofit fontScale="90000"/>
+            <a:noAutofit/>
           </a:bodyPr>
           <a:lstStyle/>
           <a:p>
@@ -4669,126 +4675,143 @@
                 </a:solidFill>
                 <a:latin typeface="Garamond" panose="02020404030301010803" pitchFamily="18" charset="0"/>
               </a:rPr>
-              <a:t>APIs Used</a:t>
-            </a:r>
-          </a:p>
-        </p:txBody>
-      </p:sp>
-      <p:sp>
-        <p:nvSpPr>
-          <p:cNvPr id="3" name="Content Placeholder 2">
+              <a:t>Our Application</a:t>
+            </a:r>
+          </a:p>
+        </p:txBody>
+      </p:sp>
+      <p:sp>
+        <p:nvSpPr>
+          <p:cNvPr id="6" name="TextBox 5">
             <a:extLst>
               <a:ext uri="{FF2B5EF4-FFF2-40B4-BE49-F238E27FC236}">
-                <a16:creationId xmlns:a16="http://schemas.microsoft.com/office/drawing/2014/main" id="{48E4026A-78DD-4625-84F1-D350FFD48284}"/>
+                <a16:creationId xmlns:a16="http://schemas.microsoft.com/office/drawing/2014/main" id="{8C15F896-40E1-4593-892C-ADF54BCD9546}"/>
               </a:ext>
             </a:extLst>
           </p:cNvPr>
-          <p:cNvSpPr>
-            <a:spLocks noGrp="1"/>
-          </p:cNvSpPr>
-          <p:nvPr>
-            <p:ph idx="1"/>
-          </p:nvPr>
+          <p:cNvSpPr txBox="1"/>
+          <p:nvPr/>
         </p:nvSpPr>
         <p:spPr>
           <a:xfrm>
-            <a:off x="4485813" y="2197501"/>
-            <a:ext cx="6982285" cy="4226745"/>
+            <a:off x="1323976" y="1609725"/>
+            <a:ext cx="9268014" cy="4093428"/>
           </a:xfrm>
+          <a:prstGeom prst="rect">
+            <a:avLst/>
+          </a:prstGeom>
+          <a:noFill/>
         </p:spPr>
         <p:txBody>
-          <a:bodyPr>
-            <a:normAutofit/>
+          <a:bodyPr wrap="square" rtlCol="0">
+            <a:spAutoFit/>
           </a:bodyPr>
           <a:lstStyle/>
           <a:p>
+            <a:pPr marL="285750" indent="-285750">
+              <a:buFont typeface="Arial" panose="020B0604020202020204" pitchFamily="34" charset="0"/>
+              <a:buChar char="•"/>
+            </a:pPr>
             <a:r>
               <a:rPr lang="en-US" sz="2800" dirty="0">
-                <a:solidFill>
-                  <a:schemeClr val="tx1"/>
-                </a:solidFill>
                 <a:latin typeface="Century Gothic" panose="020B0502020202020204" pitchFamily="34" charset="0"/>
               </a:rPr>
-              <a:t>Eventful/</a:t>
-            </a:r>
-            <a:r>
-              <a:rPr lang="en-US" sz="2800" dirty="0" err="1">
-                <a:solidFill>
-                  <a:schemeClr val="tx1"/>
-                </a:solidFill>
+              <a:t>Local event search application to see if and when your favorite artist is in town within a specified range, including specific venues</a:t>
+            </a:r>
+          </a:p>
+          <a:p>
+            <a:pPr marL="285750" indent="-285750">
+              <a:buFont typeface="Arial" panose="020B0604020202020204" pitchFamily="34" charset="0"/>
+              <a:buChar char="•"/>
+            </a:pPr>
+            <a:r>
+              <a:rPr lang="en-US" sz="2800" dirty="0">
                 <a:latin typeface="Century Gothic" panose="020B0502020202020204" pitchFamily="34" charset="0"/>
               </a:rPr>
-              <a:t>LastFM</a:t>
-            </a:r>
+              <a:t>Search results also give the user:</a:t>
+            </a:r>
+          </a:p>
+          <a:p>
+            <a:pPr marL="914400" lvl="1" indent="-457200">
+              <a:buFont typeface="Courier New" panose="02070309020205020404" pitchFamily="49" charset="0"/>
+              <a:buChar char="o"/>
+            </a:pPr>
             <a:r>
               <a:rPr lang="en-US" sz="2800" dirty="0">
-                <a:solidFill>
-                  <a:schemeClr val="tx1"/>
-                </a:solidFill>
                 <a:latin typeface="Century Gothic" panose="020B0502020202020204" pitchFamily="34" charset="0"/>
               </a:rPr>
-              <a:t> (Local Events)</a:t>
-            </a:r>
-          </a:p>
-          <a:p>
-            <a:r>
-              <a:rPr lang="en-US" sz="2800" dirty="0" err="1">
-                <a:solidFill>
-                  <a:schemeClr val="tx1"/>
-                </a:solidFill>
+              <a:t>An image of the artist</a:t>
+            </a:r>
+          </a:p>
+          <a:p>
+            <a:pPr marL="914400" lvl="1" indent="-457200">
+              <a:buFont typeface="Courier New" panose="02070309020205020404" pitchFamily="49" charset="0"/>
+              <a:buChar char="o"/>
+            </a:pPr>
+            <a:r>
+              <a:rPr lang="en-US" sz="2800" dirty="0">
                 <a:latin typeface="Century Gothic" panose="020B0502020202020204" pitchFamily="34" charset="0"/>
               </a:rPr>
-              <a:t>BandsInTown</a:t>
-            </a:r>
+              <a:t>Time and date of events</a:t>
+            </a:r>
+          </a:p>
+          <a:p>
+            <a:pPr marL="914400" lvl="1" indent="-457200">
+              <a:buFont typeface="Courier New" panose="02070309020205020404" pitchFamily="49" charset="0"/>
+              <a:buChar char="o"/>
+            </a:pPr>
             <a:r>
               <a:rPr lang="en-US" sz="2800" dirty="0">
-                <a:solidFill>
-                  <a:schemeClr val="tx1"/>
-                </a:solidFill>
                 <a:latin typeface="Century Gothic" panose="020B0502020202020204" pitchFamily="34" charset="0"/>
               </a:rPr>
-              <a:t> (Artist Image)</a:t>
-            </a:r>
-          </a:p>
-          <a:p>
-            <a:r>
-              <a:rPr lang="en-US" sz="2800" dirty="0" err="1">
-                <a:solidFill>
-                  <a:schemeClr val="tx1"/>
-                </a:solidFill>
+              <a:t>Suggestions to similar artists</a:t>
+            </a:r>
+          </a:p>
+          <a:p>
+            <a:pPr marL="914400" lvl="1" indent="-457200">
+              <a:buFont typeface="Courier New" panose="02070309020205020404" pitchFamily="49" charset="0"/>
+              <a:buChar char="o"/>
+            </a:pPr>
+            <a:r>
+              <a:rPr lang="en-US" sz="2800" dirty="0">
                 <a:latin typeface="Century Gothic" panose="020B0502020202020204" pitchFamily="34" charset="0"/>
               </a:rPr>
-              <a:t>GoogleMaps</a:t>
-            </a:r>
-            <a:r>
-              <a:rPr lang="en-US" sz="2800" dirty="0">
-                <a:solidFill>
-                  <a:schemeClr val="tx1"/>
-                </a:solidFill>
-                <a:latin typeface="Century Gothic" panose="020B0502020202020204" pitchFamily="34" charset="0"/>
-              </a:rPr>
-              <a:t> (Map)</a:t>
-            </a:r>
+              <a:t>A map with the users location</a:t>
+            </a:r>
+          </a:p>
+          <a:p>
+            <a:pPr marL="742950" lvl="1" indent="-285750">
+              <a:buFont typeface="Arial" panose="020B0604020202020204" pitchFamily="34" charset="0"/>
+              <a:buChar char="•"/>
+            </a:pPr>
+            <a:endParaRPr lang="en-US" dirty="0"/>
+          </a:p>
+          <a:p>
+            <a:pPr marL="285750" indent="-285750">
+              <a:buFont typeface="Arial" panose="020B0604020202020204" pitchFamily="34" charset="0"/>
+              <a:buChar char="•"/>
+            </a:pPr>
+            <a:endParaRPr lang="en-US" dirty="0"/>
           </a:p>
         </p:txBody>
       </p:sp>
     </p:spTree>
     <p:extLst>
       <p:ext uri="{BB962C8B-B14F-4D97-AF65-F5344CB8AC3E}">
-        <p14:creationId xmlns:p14="http://schemas.microsoft.com/office/powerpoint/2010/main" val="3984184344"/>
+        <p14:creationId xmlns:p14="http://schemas.microsoft.com/office/powerpoint/2010/main" val="500890595"/>
       </p:ext>
     </p:extLst>
   </p:cSld>
   <p:clrMapOvr>
     <a:masterClrMapping/>
   </p:clrMapOvr>
-  <mc:AlternateContent xmlns:mc="http://schemas.openxmlformats.org/markup-compatibility/2006">
-    <mc:Choice xmlns:p14="http://schemas.microsoft.com/office/powerpoint/2010/main" Requires="p14">
+  <mc:AlternateContent xmlns:mc="http://schemas.openxmlformats.org/markup-compatibility/2006" xmlns:p14="http://schemas.microsoft.com/office/powerpoint/2010/main">
+    <mc:Choice Requires="p14">
       <p:transition spd="slow" p14:dur="1600">
         <p14:gallery dir="l"/>
       </p:transition>
     </mc:Choice>
-    <mc:Fallback>
+    <mc:Fallback xmlns="">
       <p:transition spd="slow">
         <p:fade/>
       </p:transition>
@@ -4849,7 +4872,7 @@
                 </a:solidFill>
                 <a:latin typeface="Garamond" panose="02020404030301010803" pitchFamily="18" charset="0"/>
               </a:rPr>
-              <a:t>Our Application</a:t>
+              <a:t>Motivation</a:t>
             </a:r>
           </a:p>
         </p:txBody>
@@ -4869,7 +4892,7 @@
         <p:spPr>
           <a:xfrm>
             <a:off x="1323976" y="1609725"/>
-            <a:ext cx="9268014" cy="4093428"/>
+            <a:ext cx="9268014" cy="2954655"/>
           </a:xfrm>
           <a:prstGeom prst="rect">
             <a:avLst/>
@@ -4890,19 +4913,7 @@
               <a:rPr lang="en-US" sz="2800" dirty="0">
                 <a:latin typeface="Century Gothic" panose="020B0502020202020204" pitchFamily="34" charset="0"/>
               </a:rPr>
-              <a:t>Local event search application to see if and when your favorite artist is in town within a specified range, including specific venues</a:t>
-            </a:r>
-          </a:p>
-          <a:p>
-            <a:pPr marL="285750" indent="-285750">
-              <a:buFont typeface="Arial" panose="020B0604020202020204" pitchFamily="34" charset="0"/>
-              <a:buChar char="•"/>
-            </a:pPr>
-            <a:r>
-              <a:rPr lang="en-US" sz="2800" dirty="0">
-                <a:latin typeface="Century Gothic" panose="020B0502020202020204" pitchFamily="34" charset="0"/>
-              </a:rPr>
-              <a:t>Search results also give the user:</a:t>
+              <a:t>To make an application that is… </a:t>
             </a:r>
           </a:p>
           <a:p>
@@ -4914,7 +4925,7 @@
               <a:rPr lang="en-US" sz="2800" dirty="0">
                 <a:latin typeface="Century Gothic" panose="020B0502020202020204" pitchFamily="34" charset="0"/>
               </a:rPr>
-              <a:t>An image of the artist</a:t>
+              <a:t>easy for users to find concerts and discover new music in their area</a:t>
             </a:r>
           </a:p>
           <a:p>
@@ -4926,7 +4937,7 @@
               <a:rPr lang="en-US" sz="2800" dirty="0">
                 <a:latin typeface="Century Gothic" panose="020B0502020202020204" pitchFamily="34" charset="0"/>
               </a:rPr>
-              <a:t>Time and date of events</a:t>
+              <a:t>visually appealing and an enjoyable experience for users</a:t>
             </a:r>
           </a:p>
           <a:p>
@@ -4934,31 +4945,7 @@
               <a:buFont typeface="Courier New" panose="02070309020205020404" pitchFamily="49" charset="0"/>
               <a:buChar char="o"/>
             </a:pPr>
-            <a:r>
-              <a:rPr lang="en-US" sz="2800" dirty="0">
-                <a:latin typeface="Century Gothic" panose="020B0502020202020204" pitchFamily="34" charset="0"/>
-              </a:rPr>
-              <a:t>Suggestions to similar artists</a:t>
-            </a:r>
-          </a:p>
-          <a:p>
-            <a:pPr marL="914400" lvl="1" indent="-457200">
-              <a:buFont typeface="Courier New" panose="02070309020205020404" pitchFamily="49" charset="0"/>
-              <a:buChar char="o"/>
-            </a:pPr>
-            <a:r>
-              <a:rPr lang="en-US" sz="2800" dirty="0">
-                <a:latin typeface="Century Gothic" panose="020B0502020202020204" pitchFamily="34" charset="0"/>
-              </a:rPr>
-              <a:t>A map with the users location</a:t>
-            </a:r>
-          </a:p>
-          <a:p>
-            <a:pPr marL="742950" lvl="1" indent="-285750">
-              <a:buFont typeface="Arial" panose="020B0604020202020204" pitchFamily="34" charset="0"/>
-              <a:buChar char="•"/>
-            </a:pPr>
-            <a:endParaRPr lang="en-US" dirty="0"/>
+            <a:endParaRPr lang="en-US" sz="2800" dirty="0"/>
           </a:p>
           <a:p>
             <a:pPr marL="285750" indent="-285750">
@@ -4972,20 +4959,20 @@
     </p:spTree>
     <p:extLst>
       <p:ext uri="{BB962C8B-B14F-4D97-AF65-F5344CB8AC3E}">
-        <p14:creationId xmlns:p14="http://schemas.microsoft.com/office/powerpoint/2010/main" val="500890595"/>
+        <p14:creationId xmlns:p14="http://schemas.microsoft.com/office/powerpoint/2010/main" val="1047726696"/>
       </p:ext>
     </p:extLst>
   </p:cSld>
   <p:clrMapOvr>
     <a:masterClrMapping/>
   </p:clrMapOvr>
-  <mc:AlternateContent xmlns:mc="http://schemas.openxmlformats.org/markup-compatibility/2006">
-    <mc:Choice xmlns:p14="http://schemas.microsoft.com/office/powerpoint/2010/main" Requires="p14">
+  <mc:AlternateContent xmlns:mc="http://schemas.openxmlformats.org/markup-compatibility/2006" xmlns:p14="http://schemas.microsoft.com/office/powerpoint/2010/main">
+    <mc:Choice Requires="p14">
       <p:transition spd="slow" p14:dur="1600">
         <p14:gallery dir="l"/>
       </p:transition>
     </mc:Choice>
-    <mc:Fallback>
+    <mc:Fallback xmlns="">
       <p:transition spd="slow">
         <p:fade/>
       </p:transition>
@@ -5013,10 +5000,10 @@
       </p:grpSpPr>
       <p:sp>
         <p:nvSpPr>
-          <p:cNvPr id="3" name="Text Placeholder 2">
+          <p:cNvPr id="2" name="Title 1">
             <a:extLst>
               <a:ext uri="{FF2B5EF4-FFF2-40B4-BE49-F238E27FC236}">
-                <a16:creationId xmlns:a16="http://schemas.microsoft.com/office/drawing/2014/main" id="{D92775C5-B63B-4DFF-96A7-18586C3DED6B}"/>
+                <a16:creationId xmlns:a16="http://schemas.microsoft.com/office/drawing/2014/main" id="{D6DC7CB7-6324-4EDD-9B12-181FD5AFF21F}"/>
               </a:ext>
             </a:extLst>
           </p:cNvPr>
@@ -5024,18 +5011,18 @@
             <a:spLocks noGrp="1"/>
           </p:cNvSpPr>
           <p:nvPr>
-            <p:ph type="body" idx="1"/>
+            <p:ph type="title"/>
           </p:nvPr>
         </p:nvSpPr>
         <p:spPr>
           <a:xfrm>
-            <a:off x="1895285" y="363938"/>
-            <a:ext cx="8401429" cy="819150"/>
+            <a:off x="322001" y="2731241"/>
+            <a:ext cx="3392749" cy="922893"/>
           </a:xfrm>
         </p:spPr>
         <p:txBody>
           <a:bodyPr>
-            <a:noAutofit/>
+            <a:normAutofit fontScale="90000"/>
           </a:bodyPr>
           <a:lstStyle/>
           <a:p>
@@ -5046,89 +5033,126 @@
                 </a:solidFill>
                 <a:latin typeface="Garamond" panose="02020404030301010803" pitchFamily="18" charset="0"/>
               </a:rPr>
-              <a:t>Motivation</a:t>
-            </a:r>
-          </a:p>
-        </p:txBody>
-      </p:sp>
-      <p:sp>
-        <p:nvSpPr>
-          <p:cNvPr id="6" name="TextBox 5">
+              <a:t>APIs Used</a:t>
+            </a:r>
+          </a:p>
+        </p:txBody>
+      </p:sp>
+      <p:sp>
+        <p:nvSpPr>
+          <p:cNvPr id="3" name="Content Placeholder 2">
             <a:extLst>
               <a:ext uri="{FF2B5EF4-FFF2-40B4-BE49-F238E27FC236}">
-                <a16:creationId xmlns:a16="http://schemas.microsoft.com/office/drawing/2014/main" id="{8C15F896-40E1-4593-892C-ADF54BCD9546}"/>
+                <a16:creationId xmlns:a16="http://schemas.microsoft.com/office/drawing/2014/main" id="{48E4026A-78DD-4625-84F1-D350FFD48284}"/>
               </a:ext>
             </a:extLst>
           </p:cNvPr>
-          <p:cNvSpPr txBox="1"/>
-          <p:nvPr/>
+          <p:cNvSpPr>
+            <a:spLocks noGrp="1"/>
+          </p:cNvSpPr>
+          <p:nvPr>
+            <p:ph idx="1"/>
+          </p:nvPr>
         </p:nvSpPr>
         <p:spPr>
           <a:xfrm>
-            <a:off x="1323976" y="1609725"/>
-            <a:ext cx="9268014" cy="2092881"/>
+            <a:off x="4485813" y="2197501"/>
+            <a:ext cx="6982285" cy="4226745"/>
           </a:xfrm>
-          <a:prstGeom prst="rect">
-            <a:avLst/>
-          </a:prstGeom>
-          <a:noFill/>
         </p:spPr>
         <p:txBody>
-          <a:bodyPr wrap="square" rtlCol="0">
-            <a:spAutoFit/>
+          <a:bodyPr>
+            <a:normAutofit/>
           </a:bodyPr>
           <a:lstStyle/>
           <a:p>
-            <a:pPr marL="285750" indent="-285750">
-              <a:buFont typeface="Arial" panose="020B0604020202020204" pitchFamily="34" charset="0"/>
-              <a:buChar char="•"/>
-            </a:pPr>
             <a:r>
               <a:rPr lang="en-US" sz="2800" dirty="0">
+                <a:solidFill>
+                  <a:schemeClr val="tx1"/>
+                </a:solidFill>
                 <a:latin typeface="Century Gothic" panose="020B0502020202020204" pitchFamily="34" charset="0"/>
               </a:rPr>
-              <a:t>To make something easy for users to find and discover new music in their area</a:t>
-            </a:r>
-          </a:p>
-          <a:p>
-            <a:pPr marL="285750" indent="-285750">
-              <a:buFont typeface="Arial" panose="020B0604020202020204" pitchFamily="34" charset="0"/>
-              <a:buChar char="•"/>
-            </a:pPr>
-            <a:r>
-              <a:rPr lang="en-US" sz="2800" dirty="0">
+              <a:t>Eventful/</a:t>
+            </a:r>
+            <a:r>
+              <a:rPr lang="en-US" sz="2800" dirty="0" err="1">
+                <a:solidFill>
+                  <a:schemeClr val="tx1"/>
+                </a:solidFill>
                 <a:latin typeface="Century Gothic" panose="020B0502020202020204" pitchFamily="34" charset="0"/>
               </a:rPr>
-              <a:t>To make something visually appealing and an enjoyable experience for users</a:t>
-            </a:r>
-            <a:endParaRPr lang="en-US" sz="2800" dirty="0"/>
-          </a:p>
-          <a:p>
-            <a:pPr marL="285750" indent="-285750">
-              <a:buFont typeface="Arial" panose="020B0604020202020204" pitchFamily="34" charset="0"/>
-              <a:buChar char="•"/>
-            </a:pPr>
-            <a:endParaRPr lang="en-US" dirty="0"/>
+              <a:t>LastFM</a:t>
+            </a:r>
+            <a:r>
+              <a:rPr lang="en-US" sz="2800" dirty="0">
+                <a:solidFill>
+                  <a:schemeClr val="tx1"/>
+                </a:solidFill>
+                <a:latin typeface="Century Gothic" panose="020B0502020202020204" pitchFamily="34" charset="0"/>
+              </a:rPr>
+              <a:t> (Local Events)</a:t>
+            </a:r>
+          </a:p>
+          <a:p>
+            <a:r>
+              <a:rPr lang="en-US" sz="2800" dirty="0" err="1">
+                <a:solidFill>
+                  <a:schemeClr val="tx1"/>
+                </a:solidFill>
+                <a:latin typeface="Century Gothic" panose="020B0502020202020204" pitchFamily="34" charset="0"/>
+              </a:rPr>
+              <a:t>BandsInTown</a:t>
+            </a:r>
+            <a:r>
+              <a:rPr lang="en-US" sz="2800" dirty="0">
+                <a:solidFill>
+                  <a:schemeClr val="tx1"/>
+                </a:solidFill>
+                <a:latin typeface="Century Gothic" panose="020B0502020202020204" pitchFamily="34" charset="0"/>
+              </a:rPr>
+              <a:t> (Artist Image)</a:t>
+            </a:r>
+          </a:p>
+          <a:p>
+            <a:r>
+              <a:rPr lang="en-US" sz="2800" dirty="0" err="1">
+                <a:solidFill>
+                  <a:schemeClr val="tx1"/>
+                </a:solidFill>
+                <a:latin typeface="Century Gothic" panose="020B0502020202020204" pitchFamily="34" charset="0"/>
+              </a:rPr>
+              <a:t>GoogleMaps</a:t>
+            </a:r>
+            <a:r>
+              <a:rPr lang="en-US" sz="2800" dirty="0">
+                <a:solidFill>
+                  <a:schemeClr val="tx1"/>
+                </a:solidFill>
+                <a:latin typeface="Century Gothic" panose="020B0502020202020204" pitchFamily="34" charset="0"/>
+              </a:rPr>
+              <a:t> (Map)</a:t>
+            </a:r>
           </a:p>
         </p:txBody>
       </p:sp>
     </p:spTree>
     <p:extLst>
       <p:ext uri="{BB962C8B-B14F-4D97-AF65-F5344CB8AC3E}">
-        <p14:creationId xmlns:p14="http://schemas.microsoft.com/office/powerpoint/2010/main" val="1047726696"/>
+        <p14:creationId xmlns:p14="http://schemas.microsoft.com/office/powerpoint/2010/main" val="3984184344"/>
       </p:ext>
     </p:extLst>
   </p:cSld>
   <p:clrMapOvr>
     <a:masterClrMapping/>
   </p:clrMapOvr>
-  <mc:AlternateContent xmlns:mc="http://schemas.openxmlformats.org/markup-compatibility/2006">
-    <mc:Choice xmlns:p14="http://schemas.microsoft.com/office/powerpoint/2010/main" Requires="p14">
+  <mc:AlternateContent xmlns:mc="http://schemas.openxmlformats.org/markup-compatibility/2006" xmlns:p14="http://schemas.microsoft.com/office/powerpoint/2010/main">
+    <mc:Choice Requires="p14">
       <p:transition spd="slow" p14:dur="1600">
         <p14:gallery dir="l"/>
       </p:transition>
     </mc:Choice>
-    <mc:Fallback>
+    <mc:Fallback xmlns="">
       <p:transition spd="slow">
         <p:fade/>
       </p:transition>
@@ -5189,7 +5213,7 @@
                 </a:solidFill>
                 <a:latin typeface="Garamond" panose="02020404030301010803" pitchFamily="18" charset="0"/>
               </a:rPr>
-              <a:t>Issues</a:t>
+              <a:t>Challenges</a:t>
             </a:r>
           </a:p>
         </p:txBody>
@@ -5313,13 +5337,13 @@
   <p:clrMapOvr>
     <a:masterClrMapping/>
   </p:clrMapOvr>
-  <mc:AlternateContent xmlns:mc="http://schemas.openxmlformats.org/markup-compatibility/2006">
-    <mc:Choice xmlns:p14="http://schemas.microsoft.com/office/powerpoint/2010/main" Requires="p14">
+  <mc:AlternateContent xmlns:mc="http://schemas.openxmlformats.org/markup-compatibility/2006" xmlns:p14="http://schemas.microsoft.com/office/powerpoint/2010/main">
+    <mc:Choice Requires="p14">
       <p:transition spd="slow" p14:dur="1600">
         <p14:gallery dir="l"/>
       </p:transition>
     </mc:Choice>
-    <mc:Fallback>
+    <mc:Fallback xmlns="">
       <p:transition spd="slow">
         <p:fade/>
       </p:transition>
@@ -5380,7 +5404,7 @@
                 </a:solidFill>
                 <a:latin typeface="Garamond" panose="02020404030301010803" pitchFamily="18" charset="0"/>
               </a:rPr>
-              <a:t>Next Steps</a:t>
+              <a:t>Future Improvements</a:t>
             </a:r>
           </a:p>
         </p:txBody>
@@ -5480,13 +5504,157 @@
   <p:clrMapOvr>
     <a:masterClrMapping/>
   </p:clrMapOvr>
-  <mc:AlternateContent xmlns:mc="http://schemas.openxmlformats.org/markup-compatibility/2006">
-    <mc:Choice xmlns:p14="http://schemas.microsoft.com/office/powerpoint/2010/main" Requires="p14">
+  <mc:AlternateContent xmlns:mc="http://schemas.openxmlformats.org/markup-compatibility/2006" xmlns:p14="http://schemas.microsoft.com/office/powerpoint/2010/main">
+    <mc:Choice Requires="p14">
       <p:transition spd="slow" p14:dur="1600">
         <p14:gallery dir="l"/>
       </p:transition>
     </mc:Choice>
-    <mc:Fallback>
+    <mc:Fallback xmlns="">
+      <p:transition spd="slow">
+        <p:fade/>
+      </p:transition>
+    </mc:Fallback>
+  </mc:AlternateContent>
+</p:sld>
+</file>
+
+<file path=ppt/slides/slide7.xml><?xml version="1.0" encoding="utf-8"?>
+<p:sld xmlns:a="http://schemas.openxmlformats.org/drawingml/2006/main" xmlns:r="http://schemas.openxmlformats.org/officeDocument/2006/relationships" xmlns:p="http://schemas.openxmlformats.org/presentationml/2006/main">
+  <p:cSld>
+    <p:spTree>
+      <p:nvGrpSpPr>
+        <p:cNvPr id="1" name=""/>
+        <p:cNvGrpSpPr/>
+        <p:nvPr/>
+      </p:nvGrpSpPr>
+      <p:grpSpPr>
+        <a:xfrm>
+          <a:off x="0" y="0"/>
+          <a:ext cx="0" cy="0"/>
+          <a:chOff x="0" y="0"/>
+          <a:chExt cx="0" cy="0"/>
+        </a:xfrm>
+      </p:grpSpPr>
+      <p:sp>
+        <p:nvSpPr>
+          <p:cNvPr id="3" name="Text Placeholder 2">
+            <a:extLst>
+              <a:ext uri="{FF2B5EF4-FFF2-40B4-BE49-F238E27FC236}">
+                <a16:creationId xmlns:a16="http://schemas.microsoft.com/office/drawing/2014/main" id="{D92775C5-B63B-4DFF-96A7-18586C3DED6B}"/>
+              </a:ext>
+            </a:extLst>
+          </p:cNvPr>
+          <p:cNvSpPr>
+            <a:spLocks noGrp="1"/>
+          </p:cNvSpPr>
+          <p:nvPr>
+            <p:ph type="body" idx="1"/>
+          </p:nvPr>
+        </p:nvSpPr>
+        <p:spPr>
+          <a:xfrm>
+            <a:off x="1895285" y="363938"/>
+            <a:ext cx="8401429" cy="819150"/>
+          </a:xfrm>
+        </p:spPr>
+        <p:txBody>
+          <a:bodyPr>
+            <a:noAutofit/>
+          </a:bodyPr>
+          <a:lstStyle/>
+          <a:p>
+            <a:r>
+              <a:rPr lang="en-US" sz="6600" dirty="0">
+                <a:solidFill>
+                  <a:schemeClr val="accent6"/>
+                </a:solidFill>
+                <a:latin typeface="Garamond" panose="02020404030301010803" pitchFamily="18" charset="0"/>
+              </a:rPr>
+              <a:t>Group Responsibilities</a:t>
+            </a:r>
+          </a:p>
+        </p:txBody>
+      </p:sp>
+      <p:sp>
+        <p:nvSpPr>
+          <p:cNvPr id="6" name="TextBox 5">
+            <a:extLst>
+              <a:ext uri="{FF2B5EF4-FFF2-40B4-BE49-F238E27FC236}">
+                <a16:creationId xmlns:a16="http://schemas.microsoft.com/office/drawing/2014/main" id="{8C15F896-40E1-4593-892C-ADF54BCD9546}"/>
+              </a:ext>
+            </a:extLst>
+          </p:cNvPr>
+          <p:cNvSpPr txBox="1"/>
+          <p:nvPr/>
+        </p:nvSpPr>
+        <p:spPr>
+          <a:xfrm>
+            <a:off x="1323976" y="1609725"/>
+            <a:ext cx="9268014" cy="2246769"/>
+          </a:xfrm>
+          <a:prstGeom prst="rect">
+            <a:avLst/>
+          </a:prstGeom>
+          <a:noFill/>
+        </p:spPr>
+        <p:txBody>
+          <a:bodyPr wrap="square" rtlCol="0">
+            <a:spAutoFit/>
+          </a:bodyPr>
+          <a:lstStyle/>
+          <a:p>
+            <a:pPr marL="285750" indent="-285750">
+              <a:buFont typeface="Arial" panose="020B0604020202020204" pitchFamily="34" charset="0"/>
+              <a:buChar char="•"/>
+            </a:pPr>
+            <a:r>
+              <a:rPr lang="en-US" sz="2800" dirty="0">
+                <a:latin typeface="Century Gothic" panose="020B0502020202020204" pitchFamily="34" charset="0"/>
+              </a:rPr>
+              <a:t>Michael &amp; Brooks – API Functionality &amp; Touchup HTML/CSS</a:t>
+            </a:r>
+          </a:p>
+          <a:p>
+            <a:pPr marL="285750" indent="-285750">
+              <a:buFont typeface="Arial" panose="020B0604020202020204" pitchFamily="34" charset="0"/>
+              <a:buChar char="•"/>
+            </a:pPr>
+            <a:endParaRPr lang="en-US" sz="2800" dirty="0">
+              <a:latin typeface="Century Gothic" panose="020B0502020202020204" pitchFamily="34" charset="0"/>
+            </a:endParaRPr>
+          </a:p>
+          <a:p>
+            <a:pPr marL="285750" indent="-285750">
+              <a:buFont typeface="Arial" panose="020B0604020202020204" pitchFamily="34" charset="0"/>
+              <a:buChar char="•"/>
+            </a:pPr>
+            <a:r>
+              <a:rPr lang="en-US" sz="2800" dirty="0">
+                <a:latin typeface="Century Gothic" panose="020B0502020202020204" pitchFamily="34" charset="0"/>
+              </a:rPr>
+              <a:t>Dakota &amp; Adam – Wireframing, Coding the HTML/CSS &amp; Designing the logo header and footer</a:t>
+            </a:r>
+          </a:p>
+        </p:txBody>
+      </p:sp>
+    </p:spTree>
+    <p:extLst>
+      <p:ext uri="{BB962C8B-B14F-4D97-AF65-F5344CB8AC3E}">
+        <p14:creationId xmlns:p14="http://schemas.microsoft.com/office/powerpoint/2010/main" val="3896116904"/>
+      </p:ext>
+    </p:extLst>
+  </p:cSld>
+  <p:clrMapOvr>
+    <a:masterClrMapping/>
+  </p:clrMapOvr>
+  <mc:AlternateContent xmlns:mc="http://schemas.openxmlformats.org/markup-compatibility/2006" xmlns:p14="http://schemas.microsoft.com/office/powerpoint/2010/main">
+    <mc:Choice Requires="p14">
+      <p:transition spd="slow" p14:dur="1600">
+        <p14:gallery dir="l"/>
+      </p:transition>
+    </mc:Choice>
+    <mc:Fallback xmlns="">
       <p:transition spd="slow">
         <p:fade/>
       </p:transition>
